--- a/slides/tor.pptx
+++ b/slides/tor.pptx
@@ -5,7 +5,7 @@
     <p:sldMasterId id="2147483892" r:id="rId1"/>
   </p:sldMasterIdLst>
   <p:notesMasterIdLst>
-    <p:notesMasterId r:id="rId21"/>
+    <p:notesMasterId r:id="rId23"/>
   </p:notesMasterIdLst>
   <p:sldIdLst>
     <p:sldId id="312" r:id="rId2"/>
@@ -27,6 +27,8 @@
     <p:sldId id="335" r:id="rId18"/>
     <p:sldId id="336" r:id="rId19"/>
     <p:sldId id="338" r:id="rId20"/>
+    <p:sldId id="339" r:id="rId21"/>
+    <p:sldId id="340" r:id="rId22"/>
   </p:sldIdLst>
   <p:sldSz cx="12192000" cy="6858000"/>
   <p:notesSz cx="6858000" cy="9144000"/>
@@ -333,7 +335,7 @@
             </a:extLst>
           </p:cNvPr>
           <p:cNvSpPr>
-            <a:spLocks noRot="1" noChangeArrowheads="1" noTextEdit="1"/>
+            <a:spLocks noGrp="1" noRot="1" noChangeAspect="1" noChangeArrowheads="1" noTextEdit="1"/>
           </p:cNvSpPr>
           <p:nvPr>
             <p:ph type="sldImg" idx="2"/>
@@ -895,7 +897,7 @@
             </a:extLst>
           </p:cNvPr>
           <p:cNvSpPr>
-            <a:spLocks noChangeArrowheads="1" noTextEdit="1"/>
+            <a:spLocks noGrp="1" noRot="1" noChangeAspect="1" noChangeArrowheads="1" noTextEdit="1"/>
           </p:cNvSpPr>
           <p:nvPr>
             <p:ph type="sldImg"/>
@@ -918,7 +920,7 @@
             </a:extLst>
           </p:cNvPr>
           <p:cNvSpPr>
-            <a:spLocks noChangeArrowheads="1"/>
+            <a:spLocks noGrp="1" noChangeArrowheads="1"/>
           </p:cNvSpPr>
           <p:nvPr>
             <p:ph type="body" idx="1"/>
@@ -1175,7 +1177,7 @@
             </a:extLst>
           </p:cNvPr>
           <p:cNvSpPr>
-            <a:spLocks noRot="1" noChangeArrowheads="1" noTextEdit="1"/>
+            <a:spLocks noGrp="1" noRot="1" noChangeAspect="1" noChangeArrowheads="1" noTextEdit="1"/>
           </p:cNvSpPr>
           <p:nvPr>
             <p:ph type="sldImg"/>
@@ -1464,7 +1466,7 @@
             </a:extLst>
           </p:cNvPr>
           <p:cNvSpPr>
-            <a:spLocks noRot="1" noChangeArrowheads="1" noTextEdit="1"/>
+            <a:spLocks noGrp="1" noRot="1" noChangeAspect="1" noChangeArrowheads="1" noTextEdit="1"/>
           </p:cNvSpPr>
           <p:nvPr>
             <p:ph type="sldImg"/>
@@ -1753,7 +1755,7 @@
             </a:extLst>
           </p:cNvPr>
           <p:cNvSpPr>
-            <a:spLocks noRot="1" noChangeArrowheads="1" noTextEdit="1"/>
+            <a:spLocks noGrp="1" noRot="1" noChangeAspect="1" noChangeArrowheads="1" noTextEdit="1"/>
           </p:cNvSpPr>
           <p:nvPr>
             <p:ph type="sldImg"/>
@@ -2042,7 +2044,7 @@
             </a:extLst>
           </p:cNvPr>
           <p:cNvSpPr>
-            <a:spLocks noRot="1" noChangeArrowheads="1" noTextEdit="1"/>
+            <a:spLocks noGrp="1" noRot="1" noChangeAspect="1" noChangeArrowheads="1" noTextEdit="1"/>
           </p:cNvSpPr>
           <p:nvPr>
             <p:ph type="sldImg"/>
@@ -2331,7 +2333,7 @@
             </a:extLst>
           </p:cNvPr>
           <p:cNvSpPr>
-            <a:spLocks noRot="1" noChangeArrowheads="1" noTextEdit="1"/>
+            <a:spLocks noGrp="1" noRot="1" noChangeAspect="1" noChangeArrowheads="1" noTextEdit="1"/>
           </p:cNvSpPr>
           <p:nvPr>
             <p:ph type="sldImg"/>
@@ -2611,7 +2613,7 @@
             </a:extLst>
           </p:cNvPr>
           <p:cNvSpPr>
-            <a:spLocks noRot="1" noChangeArrowheads="1" noTextEdit="1"/>
+            <a:spLocks noGrp="1" noRot="1" noChangeAspect="1" noChangeArrowheads="1" noTextEdit="1"/>
           </p:cNvSpPr>
           <p:nvPr>
             <p:ph type="sldImg"/>
@@ -2891,7 +2893,7 @@
             </a:extLst>
           </p:cNvPr>
           <p:cNvSpPr>
-            <a:spLocks noRot="1" noChangeArrowheads="1" noTextEdit="1"/>
+            <a:spLocks noGrp="1" noRot="1" noChangeAspect="1" noChangeArrowheads="1" noTextEdit="1"/>
           </p:cNvSpPr>
           <p:nvPr>
             <p:ph type="sldImg"/>
@@ -3171,7 +3173,7 @@
             </a:extLst>
           </p:cNvPr>
           <p:cNvSpPr>
-            <a:spLocks noRot="1" noChangeArrowheads="1" noTextEdit="1"/>
+            <a:spLocks noGrp="1" noRot="1" noChangeAspect="1" noChangeArrowheads="1" noTextEdit="1"/>
           </p:cNvSpPr>
           <p:nvPr>
             <p:ph type="sldImg"/>
@@ -3451,7 +3453,7 @@
             </a:extLst>
           </p:cNvPr>
           <p:cNvSpPr>
-            <a:spLocks noRot="1" noChangeArrowheads="1" noTextEdit="1"/>
+            <a:spLocks noGrp="1" noRot="1" noChangeAspect="1" noChangeArrowheads="1" noTextEdit="1"/>
           </p:cNvSpPr>
           <p:nvPr>
             <p:ph type="sldImg"/>
@@ -3731,7 +3733,7 @@
             </a:extLst>
           </p:cNvPr>
           <p:cNvSpPr>
-            <a:spLocks noRot="1" noChangeArrowheads="1" noTextEdit="1"/>
+            <a:spLocks noGrp="1" noRot="1" noChangeAspect="1" noChangeArrowheads="1" noTextEdit="1"/>
           </p:cNvSpPr>
           <p:nvPr>
             <p:ph type="sldImg"/>
@@ -4008,7 +4010,7 @@
             </a:extLst>
           </p:cNvPr>
           <p:cNvSpPr>
-            <a:spLocks noRot="1" noChangeArrowheads="1" noTextEdit="1"/>
+            <a:spLocks noGrp="1" noRot="1" noChangeAspect="1" noChangeArrowheads="1" noTextEdit="1"/>
           </p:cNvSpPr>
           <p:nvPr>
             <p:ph type="sldImg"/>
@@ -4285,7 +4287,7 @@
             </a:extLst>
           </p:cNvPr>
           <p:cNvSpPr>
-            <a:spLocks noRot="1" noChangeArrowheads="1" noTextEdit="1"/>
+            <a:spLocks noGrp="1" noRot="1" noChangeAspect="1" noChangeArrowheads="1" noTextEdit="1"/>
           </p:cNvSpPr>
           <p:nvPr>
             <p:ph type="sldImg"/>
@@ -4565,7 +4567,7 @@
             </a:extLst>
           </p:cNvPr>
           <p:cNvSpPr>
-            <a:spLocks noRot="1" noChangeArrowheads="1" noTextEdit="1"/>
+            <a:spLocks noGrp="1" noRot="1" noChangeAspect="1" noChangeArrowheads="1" noTextEdit="1"/>
           </p:cNvSpPr>
           <p:nvPr>
             <p:ph type="sldImg"/>
@@ -4845,7 +4847,7 @@
             </a:extLst>
           </p:cNvPr>
           <p:cNvSpPr>
-            <a:spLocks noRot="1" noChangeArrowheads="1" noTextEdit="1"/>
+            <a:spLocks noGrp="1" noRot="1" noChangeAspect="1" noChangeArrowheads="1" noTextEdit="1"/>
           </p:cNvSpPr>
           <p:nvPr>
             <p:ph type="sldImg"/>
@@ -5125,7 +5127,7 @@
             </a:extLst>
           </p:cNvPr>
           <p:cNvSpPr>
-            <a:spLocks noRot="1" noChangeArrowheads="1" noTextEdit="1"/>
+            <a:spLocks noGrp="1" noRot="1" noChangeAspect="1" noChangeArrowheads="1" noTextEdit="1"/>
           </p:cNvSpPr>
           <p:nvPr>
             <p:ph type="sldImg"/>
@@ -5414,7 +5416,7 @@
             </a:extLst>
           </p:cNvPr>
           <p:cNvSpPr>
-            <a:spLocks noRot="1" noChangeArrowheads="1" noTextEdit="1"/>
+            <a:spLocks noGrp="1" noRot="1" noChangeAspect="1" noChangeArrowheads="1" noTextEdit="1"/>
           </p:cNvSpPr>
           <p:nvPr>
             <p:ph type="sldImg"/>
@@ -5703,7 +5705,7 @@
             </a:extLst>
           </p:cNvPr>
           <p:cNvSpPr>
-            <a:spLocks noRot="1" noChangeArrowheads="1" noTextEdit="1"/>
+            <a:spLocks noGrp="1" noRot="1" noChangeAspect="1" noChangeArrowheads="1" noTextEdit="1"/>
           </p:cNvSpPr>
           <p:nvPr>
             <p:ph type="sldImg"/>
@@ -11752,6 +11754,227 @@
         </p:txBody>
       </p:sp>
     </p:spTree>
+  </p:cSld>
+  <p:clrMapOvr>
+    <a:masterClrMapping/>
+  </p:clrMapOvr>
+</p:sld>
+</file>
+
+<file path=ppt/slides/slide20.xml><?xml version="1.0" encoding="utf-8"?>
+<p:sld xmlns:a="http://schemas.openxmlformats.org/drawingml/2006/main" xmlns:r="http://schemas.openxmlformats.org/officeDocument/2006/relationships" xmlns:p="http://schemas.openxmlformats.org/presentationml/2006/main">
+  <p:cSld>
+    <p:spTree>
+      <p:nvGrpSpPr>
+        <p:cNvPr id="1" name=""/>
+        <p:cNvGrpSpPr/>
+        <p:nvPr/>
+      </p:nvGrpSpPr>
+      <p:grpSpPr>
+        <a:xfrm>
+          <a:off x="0" y="0"/>
+          <a:ext cx="0" cy="0"/>
+          <a:chOff x="0" y="0"/>
+          <a:chExt cx="0" cy="0"/>
+        </a:xfrm>
+      </p:grpSpPr>
+      <p:sp>
+        <p:nvSpPr>
+          <p:cNvPr id="2" name="Titolo 1">
+            <a:extLst>
+              <a:ext uri="{FF2B5EF4-FFF2-40B4-BE49-F238E27FC236}">
+                <a16:creationId xmlns:a16="http://schemas.microsoft.com/office/drawing/2014/main" id="{507E8B23-A547-47C2-A4B7-AA6DD168ACA8}"/>
+              </a:ext>
+            </a:extLst>
+          </p:cNvPr>
+          <p:cNvSpPr>
+            <a:spLocks noGrp="1"/>
+          </p:cNvSpPr>
+          <p:nvPr>
+            <p:ph type="title"/>
+          </p:nvPr>
+        </p:nvSpPr>
+        <p:spPr/>
+        <p:txBody>
+          <a:bodyPr/>
+          <a:lstStyle/>
+          <a:p>
+            <a:pPr>
+              <a:defRPr/>
+            </a:pPr>
+            <a:r>
+              <a:rPr lang="it-IT" dirty="0"/>
+              <a:t>User </a:t>
+            </a:r>
+            <a:r>
+              <a:rPr lang="it-IT" dirty="0" err="1"/>
+              <a:t>Fingerprinting</a:t>
+            </a:r>
+            <a:endParaRPr lang="it-IT" dirty="0"/>
+          </a:p>
+        </p:txBody>
+      </p:sp>
+      <p:sp>
+        <p:nvSpPr>
+          <p:cNvPr id="121859" name="Segnaposto contenuto 2">
+            <a:extLst>
+              <a:ext uri="{FF2B5EF4-FFF2-40B4-BE49-F238E27FC236}">
+                <a16:creationId xmlns:a16="http://schemas.microsoft.com/office/drawing/2014/main" id="{B250C319-9365-4F76-B189-60FF23BE267B}"/>
+              </a:ext>
+            </a:extLst>
+          </p:cNvPr>
+          <p:cNvSpPr>
+            <a:spLocks noGrp="1"/>
+          </p:cNvSpPr>
+          <p:nvPr>
+            <p:ph idx="1"/>
+          </p:nvPr>
+        </p:nvSpPr>
+        <p:spPr/>
+        <p:txBody>
+          <a:bodyPr/>
+          <a:lstStyle/>
+          <a:p>
+            <a:r>
+              <a:rPr lang="it-IT" altLang="it-IT">
+                <a:hlinkClick r:id="rId2"/>
+              </a:rPr>
+              <a:t>https://panopticlick.eff.org/</a:t>
+            </a:r>
+            <a:endParaRPr lang="it-IT" altLang="it-IT"/>
+          </a:p>
+          <a:p>
+            <a:r>
+              <a:rPr lang="it-IT" altLang="it-IT">
+                <a:hlinkClick r:id="rId3"/>
+              </a:rPr>
+              <a:t>http://www.browserleaks.com/canvas</a:t>
+            </a:r>
+            <a:endParaRPr lang="it-IT" altLang="it-IT"/>
+          </a:p>
+          <a:p>
+            <a:r>
+              <a:rPr lang="it-IT" altLang="it-IT">
+                <a:hlinkClick r:id="rId4"/>
+              </a:rPr>
+              <a:t>http://browserspy.dk/</a:t>
+            </a:r>
+            <a:endParaRPr lang="it-IT" altLang="it-IT"/>
+          </a:p>
+        </p:txBody>
+      </p:sp>
+    </p:spTree>
+  </p:cSld>
+  <p:clrMapOvr>
+    <a:masterClrMapping/>
+  </p:clrMapOvr>
+</p:sld>
+</file>
+
+<file path=ppt/slides/slide21.xml><?xml version="1.0" encoding="utf-8"?>
+<p:sld xmlns:a="http://schemas.openxmlformats.org/drawingml/2006/main" xmlns:r="http://schemas.openxmlformats.org/officeDocument/2006/relationships" xmlns:p="http://schemas.openxmlformats.org/presentationml/2006/main">
+  <p:cSld>
+    <p:spTree>
+      <p:nvGrpSpPr>
+        <p:cNvPr id="1" name=""/>
+        <p:cNvGrpSpPr/>
+        <p:nvPr/>
+      </p:nvGrpSpPr>
+      <p:grpSpPr>
+        <a:xfrm>
+          <a:off x="0" y="0"/>
+          <a:ext cx="0" cy="0"/>
+          <a:chOff x="0" y="0"/>
+          <a:chExt cx="0" cy="0"/>
+        </a:xfrm>
+      </p:grpSpPr>
+      <p:pic>
+        <p:nvPicPr>
+          <p:cNvPr id="1026" name="Picture 2" descr="No photo description available.">
+            <a:extLst>
+              <a:ext uri="{FF2B5EF4-FFF2-40B4-BE49-F238E27FC236}">
+                <a16:creationId xmlns:a16="http://schemas.microsoft.com/office/drawing/2014/main" id="{33400C6E-8FF2-443A-8A8D-4E34508694F6}"/>
+              </a:ext>
+            </a:extLst>
+          </p:cNvPr>
+          <p:cNvPicPr>
+            <a:picLocks noChangeAspect="1" noChangeArrowheads="1"/>
+          </p:cNvPicPr>
+          <p:nvPr/>
+        </p:nvPicPr>
+        <p:blipFill>
+          <a:blip r:embed="rId2">
+            <a:extLst>
+              <a:ext uri="{28A0092B-C50C-407E-A947-70E740481C1C}">
+                <a14:useLocalDpi xmlns:a14="http://schemas.microsoft.com/office/drawing/2010/main" val="0"/>
+              </a:ext>
+            </a:extLst>
+          </a:blip>
+          <a:srcRect/>
+          <a:stretch>
+            <a:fillRect/>
+          </a:stretch>
+        </p:blipFill>
+        <p:spPr bwMode="auto">
+          <a:xfrm>
+            <a:off x="4583832" y="1622202"/>
+            <a:ext cx="2601874" cy="4433962"/>
+          </a:xfrm>
+          <a:prstGeom prst="rect">
+            <a:avLst/>
+          </a:prstGeom>
+          <a:noFill/>
+          <a:extLst>
+            <a:ext uri="{909E8E84-426E-40DD-AFC4-6F175D3DCCD1}">
+              <a14:hiddenFill xmlns:a14="http://schemas.microsoft.com/office/drawing/2010/main">
+                <a:solidFill>
+                  <a:srgbClr val="FFFFFF"/>
+                </a:solidFill>
+              </a14:hiddenFill>
+            </a:ext>
+          </a:extLst>
+        </p:spPr>
+      </p:pic>
+      <p:sp>
+        <p:nvSpPr>
+          <p:cNvPr id="2" name="Title 1">
+            <a:extLst>
+              <a:ext uri="{FF2B5EF4-FFF2-40B4-BE49-F238E27FC236}">
+                <a16:creationId xmlns:a16="http://schemas.microsoft.com/office/drawing/2014/main" id="{2328F84F-FF4A-4B08-B00C-196FF6BA4B43}"/>
+              </a:ext>
+            </a:extLst>
+          </p:cNvPr>
+          <p:cNvSpPr>
+            <a:spLocks noGrp="1"/>
+          </p:cNvSpPr>
+          <p:nvPr>
+            <p:ph type="title"/>
+          </p:nvPr>
+        </p:nvSpPr>
+        <p:spPr>
+          <a:xfrm>
+            <a:off x="767408" y="515962"/>
+            <a:ext cx="10972800" cy="990600"/>
+          </a:xfrm>
+        </p:spPr>
+        <p:txBody>
+          <a:bodyPr/>
+          <a:lstStyle/>
+          <a:p>
+            <a:r>
+              <a:rPr lang="en-US" dirty="0"/>
+              <a:t>Happy Christmas! (And good season holidays)</a:t>
+            </a:r>
+            <a:endParaRPr lang="it-IT" dirty="0"/>
+          </a:p>
+        </p:txBody>
+      </p:sp>
+    </p:spTree>
+    <p:extLst>
+      <p:ext uri="{BB962C8B-B14F-4D97-AF65-F5344CB8AC3E}">
+        <p14:creationId xmlns:p14="http://schemas.microsoft.com/office/powerpoint/2010/main" val="3220642930"/>
+      </p:ext>
+    </p:extLst>
   </p:cSld>
   <p:clrMapOvr>
     <a:masterClrMapping/>
